--- a/documentation/Project_3.pptx
+++ b/documentation/Project_3.pptx
@@ -5367,48 +5367,36 @@
           <a:chExt cx="0" cy="0"/>
         </a:xfrm>
       </p:grpSpPr>
-      <p:sp>
-        <p:nvSpPr>
-          <p:cNvPr id="2" name="Title 1"/>
-          <p:cNvSpPr>
-            <a:spLocks noGrp="1"/>
-          </p:cNvSpPr>
-          <p:nvPr>
-            <p:ph type="ctrTitle"/>
-          </p:nvPr>
-        </p:nvSpPr>
-        <p:spPr/>
-        <p:txBody>
-          <a:bodyPr/>
-          <a:lstStyle/>
-          <a:p>
-            <a:r>
-              <a:rPr lang="en-US" dirty="0" smtClean="0"/>
-              <a:t>Project 3: Workout Buddies</a:t>
-            </a:r>
-            <a:endParaRPr lang="en-US" dirty="0"/>
-          </a:p>
-        </p:txBody>
-      </p:sp>
-      <p:sp>
-        <p:nvSpPr>
-          <p:cNvPr id="3" name="Subtitle 2"/>
-          <p:cNvSpPr>
-            <a:spLocks noGrp="1"/>
-          </p:cNvSpPr>
-          <p:nvPr>
-            <p:ph type="subTitle" idx="1"/>
-          </p:nvPr>
-        </p:nvSpPr>
-        <p:spPr/>
-        <p:txBody>
-          <a:bodyPr/>
-          <a:lstStyle/>
-          <a:p>
-            <a:endParaRPr lang="en-US"/>
-          </a:p>
-        </p:txBody>
-      </p:sp>
+      <p:pic>
+        <p:nvPicPr>
+          <p:cNvPr id="4" name="Picture 3"/>
+          <p:cNvPicPr>
+            <a:picLocks noChangeAspect="1"/>
+          </p:cNvPicPr>
+          <p:nvPr/>
+        </p:nvPicPr>
+        <p:blipFill>
+          <a:blip r:embed="rId2">
+            <a:extLst>
+              <a:ext uri="{28A0092B-C50C-407E-A947-70E740481C1C}">
+                <a14:useLocalDpi xmlns:a14="http://schemas.microsoft.com/office/drawing/2010/main" val="0"/>
+              </a:ext>
+            </a:extLst>
+          </a:blip>
+          <a:stretch>
+            <a:fillRect/>
+          </a:stretch>
+        </p:blipFill>
+        <p:spPr>
+          <a:xfrm>
+            <a:off x="3516879" y="1587280"/>
+            <a:ext cx="4578498" cy="3758245"/>
+          </a:xfrm>
+          <a:prstGeom prst="rect">
+            <a:avLst/>
+          </a:prstGeom>
+        </p:spPr>
+      </p:pic>
     </p:spTree>
     <p:extLst>
       <p:ext uri="{BB962C8B-B14F-4D97-AF65-F5344CB8AC3E}">
@@ -5542,6 +5530,13 @@
   <p:clrMapOvr>
     <a:masterClrMapping/>
   </p:clrMapOvr>
+  <p:timing>
+    <p:tnLst>
+      <p:par>
+        <p:cTn id="1" dur="indefinite" restart="never" nodeType="tmRoot"/>
+      </p:par>
+    </p:tnLst>
+  </p:timing>
 </p:sld>
 </file>
 
@@ -5689,6 +5684,13 @@
   <p:clrMapOvr>
     <a:masterClrMapping/>
   </p:clrMapOvr>
+  <p:timing>
+    <p:tnLst>
+      <p:par>
+        <p:cTn id="1" dur="indefinite" restart="never" nodeType="tmRoot"/>
+      </p:par>
+    </p:tnLst>
+  </p:timing>
 </p:sld>
 </file>
 
@@ -5758,7 +5760,6 @@
               <a:rPr lang="en-US" dirty="0" smtClean="0"/>
               <a:t>An RPG was out of scope as not all group members were interested in building a game</a:t>
             </a:r>
-            <a:endParaRPr lang="en-US" dirty="0" smtClean="0"/>
           </a:p>
           <a:p>
             <a:r>
@@ -6192,7 +6193,7 @@
   <a:extraClrSchemeLst/>
   <a:extLst>
     <a:ext uri="{05A4C25C-085E-4340-85A3-A5531E510DB2}">
-      <thm15:themeFamily xmlns:thm15="http://schemas.microsoft.com/office/thememl/2012/main" name="Slice" id="{0507925B-6AC9-4358-8E18-C330545D08F8}" vid="{19759155-7935-4C61-A06C-C04380D1B16E}"/>
+      <thm15:themeFamily xmlns:thm15="http://schemas.microsoft.com/office/thememl/2012/main" xmlns="" name="Slice" id="{0507925B-6AC9-4358-8E18-C330545D08F8}" vid="{19759155-7935-4C61-A06C-C04380D1B16E}"/>
     </a:ext>
   </a:extLst>
 </a:theme>
